--- a/plan.pptx
+++ b/plan.pptx
@@ -8886,6 +8886,13 @@
             <a:r>
               <a:rPr lang="fr-FR" altLang="fr-FR" dirty="0" smtClean="0"/>
               <a:t>Formulaires</a:t>
+            </a:r>
+          </a:p>
+          <a:p>
+            <a:pPr lvl="1"/>
+            <a:r>
+              <a:rPr lang="fr-FR" altLang="fr-FR" sz="1800" dirty="0" smtClean="0"/>
+              <a:t>I18N</a:t>
             </a:r>
             <a:endParaRPr lang="fr-FR" altLang="fr-FR" sz="1800" dirty="0" smtClean="0"/>
           </a:p>
